--- a/OwlDiary_기획서_초안.pptx
+++ b/OwlDiary_기획서_초안.pptx
@@ -106,6 +106,11 @@
       </a:defRPr>
     </a:lvl9pPr>
   </p:defaultTextStyle>
+  <p:extLst>
+    <p:ext uri="{EFAFB233-063F-42B5-8137-9DF3F51BA10A}">
+      <p15:sldGuideLst xmlns:p15="http://schemas.microsoft.com/office/powerpoint/2012/main"/>
+    </p:ext>
+  </p:extLst>
 </p:presentation>
 </file>
 
@@ -154,7 +159,6 @@
               <a:rPr lang="ko-KR" altLang="en-US"/>
               <a:t>마스터 제목 스타일 편집</a:t>
             </a:r>
-            <a:endParaRPr lang="ko-KR" altLang="en-US"/>
           </a:p>
         </p:txBody>
       </p:sp>
@@ -219,7 +223,6 @@
               <a:rPr lang="ko-KR" altLang="en-US"/>
               <a:t>클릭하여 마스터 부제목 스타일 편집</a:t>
             </a:r>
-            <a:endParaRPr lang="ko-KR" altLang="en-US"/>
           </a:p>
         </p:txBody>
       </p:sp>
@@ -337,7 +340,6 @@
               <a:rPr lang="ko-KR" altLang="en-US"/>
               <a:t>마스터 제목 스타일 편집</a:t>
             </a:r>
-            <a:endParaRPr lang="ko-KR" altLang="en-US"/>
           </a:p>
         </p:txBody>
       </p:sp>
@@ -389,7 +391,6 @@
               <a:rPr lang="ko-KR" altLang="en-US"/>
               <a:t>다섯째 수준</a:t>
             </a:r>
-            <a:endParaRPr lang="ko-KR" altLang="en-US"/>
           </a:p>
         </p:txBody>
       </p:sp>
@@ -512,7 +513,6 @@
               <a:rPr lang="ko-KR" altLang="en-US"/>
               <a:t>마스터 제목 스타일 편집</a:t>
             </a:r>
-            <a:endParaRPr lang="ko-KR" altLang="en-US"/>
           </a:p>
         </p:txBody>
       </p:sp>
@@ -569,7 +569,6 @@
               <a:rPr lang="ko-KR" altLang="en-US"/>
               <a:t>다섯째 수준</a:t>
             </a:r>
-            <a:endParaRPr lang="ko-KR" altLang="en-US"/>
           </a:p>
         </p:txBody>
       </p:sp>
@@ -687,7 +686,6 @@
               <a:rPr lang="ko-KR" altLang="en-US"/>
               <a:t>마스터 제목 스타일 편집</a:t>
             </a:r>
-            <a:endParaRPr lang="ko-KR" altLang="en-US"/>
           </a:p>
         </p:txBody>
       </p:sp>
@@ -739,7 +737,6 @@
               <a:rPr lang="ko-KR" altLang="en-US"/>
               <a:t>다섯째 수준</a:t>
             </a:r>
-            <a:endParaRPr lang="ko-KR" altLang="en-US"/>
           </a:p>
         </p:txBody>
       </p:sp>
@@ -866,7 +863,6 @@
               <a:rPr lang="ko-KR" altLang="en-US"/>
               <a:t>마스터 제목 스타일 편집</a:t>
             </a:r>
-            <a:endParaRPr lang="ko-KR" altLang="en-US"/>
           </a:p>
         </p:txBody>
       </p:sp>
@@ -1103,7 +1099,6 @@
               <a:rPr lang="ko-KR" altLang="en-US"/>
               <a:t>마스터 제목 스타일 편집</a:t>
             </a:r>
-            <a:endParaRPr lang="ko-KR" altLang="en-US"/>
           </a:p>
         </p:txBody>
       </p:sp>
@@ -1160,7 +1155,6 @@
               <a:rPr lang="ko-KR" altLang="en-US"/>
               <a:t>다섯째 수준</a:t>
             </a:r>
-            <a:endParaRPr lang="ko-KR" altLang="en-US"/>
           </a:p>
         </p:txBody>
       </p:sp>
@@ -1217,7 +1211,6 @@
               <a:rPr lang="ko-KR" altLang="en-US"/>
               <a:t>다섯째 수준</a:t>
             </a:r>
-            <a:endParaRPr lang="ko-KR" altLang="en-US"/>
           </a:p>
         </p:txBody>
       </p:sp>
@@ -1340,7 +1333,6 @@
               <a:rPr lang="ko-KR" altLang="en-US"/>
               <a:t>마스터 제목 스타일 편집</a:t>
             </a:r>
-            <a:endParaRPr lang="ko-KR" altLang="en-US"/>
           </a:p>
         </p:txBody>
       </p:sp>
@@ -1462,7 +1454,6 @@
               <a:rPr lang="ko-KR" altLang="en-US"/>
               <a:t>다섯째 수준</a:t>
             </a:r>
-            <a:endParaRPr lang="ko-KR" altLang="en-US"/>
           </a:p>
         </p:txBody>
       </p:sp>
@@ -1584,7 +1575,6 @@
               <a:rPr lang="ko-KR" altLang="en-US"/>
               <a:t>다섯째 수준</a:t>
             </a:r>
-            <a:endParaRPr lang="ko-KR" altLang="en-US"/>
           </a:p>
         </p:txBody>
       </p:sp>
@@ -1702,7 +1692,6 @@
               <a:rPr lang="ko-KR" altLang="en-US"/>
               <a:t>마스터 제목 스타일 편집</a:t>
             </a:r>
-            <a:endParaRPr lang="ko-KR" altLang="en-US"/>
           </a:p>
         </p:txBody>
       </p:sp>
@@ -1924,7 +1913,6 @@
               <a:rPr lang="ko-KR" altLang="en-US"/>
               <a:t>마스터 제목 스타일 편집</a:t>
             </a:r>
-            <a:endParaRPr lang="ko-KR" altLang="en-US"/>
           </a:p>
         </p:txBody>
       </p:sp>
@@ -2009,7 +1997,6 @@
               <a:rPr lang="ko-KR" altLang="en-US"/>
               <a:t>다섯째 수준</a:t>
             </a:r>
-            <a:endParaRPr lang="ko-KR" altLang="en-US"/>
           </a:p>
         </p:txBody>
       </p:sp>
@@ -2201,7 +2188,6 @@
               <a:rPr lang="ko-KR" altLang="en-US"/>
               <a:t>마스터 제목 스타일 편집</a:t>
             </a:r>
-            <a:endParaRPr lang="ko-KR" altLang="en-US"/>
           </a:p>
         </p:txBody>
       </p:sp>
@@ -2460,7 +2446,6 @@
               <a:rPr lang="ko-KR" altLang="en-US"/>
               <a:t>마스터 제목 스타일 편집</a:t>
             </a:r>
-            <a:endParaRPr lang="ko-KR" altLang="en-US"/>
           </a:p>
         </p:txBody>
       </p:sp>
@@ -2522,7 +2507,6 @@
               <a:rPr lang="ko-KR" altLang="en-US"/>
               <a:t>다섯째 수준</a:t>
             </a:r>
-            <a:endParaRPr lang="ko-KR" altLang="en-US"/>
           </a:p>
         </p:txBody>
       </p:sp>
@@ -3439,6 +3423,178 @@
           </a:fontRef>
         </p:style>
       </p:cxnSp>
+      <p:sp>
+        <p:nvSpPr>
+          <p:cNvPr id="5" name="타원 4"/>
+          <p:cNvSpPr/>
+          <p:nvPr/>
+        </p:nvSpPr>
+        <p:spPr>
+          <a:xfrm>
+            <a:off x="6587270" y="5368819"/>
+            <a:ext cx="387819" cy="404037"/>
+          </a:xfrm>
+          <a:prstGeom prst="ellipse">
+            <a:avLst/>
+          </a:prstGeom>
+          <a:solidFill>
+            <a:schemeClr val="tx1"/>
+          </a:solidFill>
+        </p:spPr>
+        <p:style>
+          <a:lnRef idx="2">
+            <a:schemeClr val="accent1">
+              <a:shade val="50000"/>
+            </a:schemeClr>
+          </a:lnRef>
+          <a:fillRef idx="1">
+            <a:schemeClr val="accent1"/>
+          </a:fillRef>
+          <a:effectRef idx="0">
+            <a:schemeClr val="accent1"/>
+          </a:effectRef>
+          <a:fontRef idx="minor">
+            <a:schemeClr val="lt1"/>
+          </a:fontRef>
+        </p:style>
+        <p:txBody>
+          <a:bodyPr rtlCol="0" anchor="ctr"/>
+          <a:lstStyle/>
+          <a:p>
+            <a:pPr algn="ctr"/>
+            <a:endParaRPr lang="ko-KR" altLang="en-US"/>
+          </a:p>
+        </p:txBody>
+      </p:sp>
+      <p:sp>
+        <p:nvSpPr>
+          <p:cNvPr id="8" name="이등변 삼각형 7"/>
+          <p:cNvSpPr/>
+          <p:nvPr/>
+        </p:nvSpPr>
+        <p:spPr>
+          <a:xfrm>
+            <a:off x="2993333" y="5368819"/>
+            <a:ext cx="425303" cy="350874"/>
+          </a:xfrm>
+          <a:prstGeom prst="triangle">
+            <a:avLst/>
+          </a:prstGeom>
+          <a:solidFill>
+            <a:srgbClr val="FF0000"/>
+          </a:solidFill>
+        </p:spPr>
+        <p:style>
+          <a:lnRef idx="2">
+            <a:schemeClr val="accent1">
+              <a:shade val="50000"/>
+            </a:schemeClr>
+          </a:lnRef>
+          <a:fillRef idx="1">
+            <a:schemeClr val="accent1"/>
+          </a:fillRef>
+          <a:effectRef idx="0">
+            <a:schemeClr val="accent1"/>
+          </a:effectRef>
+          <a:fontRef idx="minor">
+            <a:schemeClr val="lt1"/>
+          </a:fontRef>
+        </p:style>
+        <p:txBody>
+          <a:bodyPr rtlCol="0" anchor="ctr"/>
+          <a:lstStyle/>
+          <a:p>
+            <a:pPr algn="ctr"/>
+            <a:endParaRPr lang="ko-KR" altLang="en-US"/>
+          </a:p>
+        </p:txBody>
+      </p:sp>
+      <p:sp>
+        <p:nvSpPr>
+          <p:cNvPr id="16" name="타원 15"/>
+          <p:cNvSpPr/>
+          <p:nvPr/>
+        </p:nvSpPr>
+        <p:spPr>
+          <a:xfrm>
+            <a:off x="6587269" y="989893"/>
+            <a:ext cx="387819" cy="404037"/>
+          </a:xfrm>
+          <a:prstGeom prst="ellipse">
+            <a:avLst/>
+          </a:prstGeom>
+          <a:solidFill>
+            <a:schemeClr val="tx1"/>
+          </a:solidFill>
+        </p:spPr>
+        <p:style>
+          <a:lnRef idx="2">
+            <a:schemeClr val="accent1">
+              <a:shade val="50000"/>
+            </a:schemeClr>
+          </a:lnRef>
+          <a:fillRef idx="1">
+            <a:schemeClr val="accent1"/>
+          </a:fillRef>
+          <a:effectRef idx="0">
+            <a:schemeClr val="accent1"/>
+          </a:effectRef>
+          <a:fontRef idx="minor">
+            <a:schemeClr val="lt1"/>
+          </a:fontRef>
+        </p:style>
+        <p:txBody>
+          <a:bodyPr rtlCol="0" anchor="ctr"/>
+          <a:lstStyle/>
+          <a:p>
+            <a:pPr algn="ctr"/>
+            <a:endParaRPr lang="ko-KR" altLang="en-US"/>
+          </a:p>
+        </p:txBody>
+      </p:sp>
+      <p:sp>
+        <p:nvSpPr>
+          <p:cNvPr id="17" name="이등변 삼각형 16"/>
+          <p:cNvSpPr/>
+          <p:nvPr/>
+        </p:nvSpPr>
+        <p:spPr>
+          <a:xfrm>
+            <a:off x="9303753" y="1001589"/>
+            <a:ext cx="425303" cy="350874"/>
+          </a:xfrm>
+          <a:prstGeom prst="triangle">
+            <a:avLst/>
+          </a:prstGeom>
+          <a:solidFill>
+            <a:srgbClr val="FF0000"/>
+          </a:solidFill>
+        </p:spPr>
+        <p:style>
+          <a:lnRef idx="2">
+            <a:schemeClr val="accent1">
+              <a:shade val="50000"/>
+            </a:schemeClr>
+          </a:lnRef>
+          <a:fillRef idx="1">
+            <a:schemeClr val="accent1"/>
+          </a:fillRef>
+          <a:effectRef idx="0">
+            <a:schemeClr val="accent1"/>
+          </a:effectRef>
+          <a:fontRef idx="minor">
+            <a:schemeClr val="lt1"/>
+          </a:fontRef>
+        </p:style>
+        <p:txBody>
+          <a:bodyPr rtlCol="0" anchor="ctr"/>
+          <a:lstStyle/>
+          <a:p>
+            <a:pPr algn="ctr"/>
+            <a:endParaRPr lang="ko-KR" altLang="en-US"/>
+          </a:p>
+        </p:txBody>
+      </p:sp>
     </p:spTree>
     <p:extLst>
       <p:ext uri="{BB962C8B-B14F-4D97-AF65-F5344CB8AC3E}">
